--- a/doc/poster.pptx
+++ b/doc/poster.pptx
@@ -256,7 +256,7 @@
             <a:fld id="{0158C5BC-9A70-462C-B28D-9600239EAC64}" type="datetimeFigureOut">
               <a:rPr lang="en-US" smtClean="0"/>
               <a:pPr/>
-              <a:t>6/21/2014</a:t>
+              <a:t>6/22/2014</a:t>
             </a:fld>
             <a:endParaRPr lang="en-US"/>
           </a:p>
@@ -423,7 +423,7 @@
             <a:fld id="{E6CC2317-6751-4CD4-9995-8782DD78E936}" type="datetimeFigureOut">
               <a:rPr lang="en-US" smtClean="0"/>
               <a:pPr/>
-              <a:t>6/21/2014</a:t>
+              <a:t>6/22/2014</a:t>
             </a:fld>
             <a:endParaRPr lang="en-US" dirty="0"/>
           </a:p>
@@ -4074,7 +4074,7 @@
               <a:graphicData uri="http://schemas.openxmlformats.org/presentationml/2006/ole">
                 <mc:AlternateContent xmlns:mc="http://schemas.openxmlformats.org/markup-compatibility/2006">
                   <mc:Choice xmlns:v="urn:schemas-microsoft-com:vml" Requires="v">
-                    <p:oleObj spid="_x0000_s1150" name="Image" r:id="rId8" imgW="1828440" imgH="1117440" progId="Photoshop.Image.13">
+                    <p:oleObj spid="_x0000_s1158" name="Image" r:id="rId8" imgW="1828440" imgH="1117440" progId="Photoshop.Image.13">
                       <p:embed/>
                     </p:oleObj>
                   </mc:Choice>
@@ -4131,7 +4131,7 @@
               <a:graphicData uri="http://schemas.openxmlformats.org/presentationml/2006/ole">
                 <mc:AlternateContent xmlns:mc="http://schemas.openxmlformats.org/markup-compatibility/2006">
                   <mc:Choice xmlns:v="urn:schemas-microsoft-com:vml" Requires="v">
-                    <p:oleObj spid="_x0000_s1151" name="Image" r:id="rId10" imgW="1828440" imgH="1117440" progId="Photoshop.Image.13">
+                    <p:oleObj spid="_x0000_s1159" name="Image" r:id="rId10" imgW="1828440" imgH="1117440" progId="Photoshop.Image.13">
                       <p:embed/>
                     </p:oleObj>
                   </mc:Choice>
@@ -5271,7 +5271,7 @@
             <a:graphicData uri="http://schemas.openxmlformats.org/presentationml/2006/ole">
               <mc:AlternateContent xmlns:mc="http://schemas.openxmlformats.org/markup-compatibility/2006">
                 <mc:Choice xmlns:v="urn:schemas-microsoft-com:vml" Requires="v">
-                  <p:oleObj spid="_x0000_s1152" name="Image" r:id="rId12" imgW="4571280" imgH="1688760" progId="Photoshop.Image.13">
+                  <p:oleObj spid="_x0000_s1160" name="Image" r:id="rId12" imgW="4571280" imgH="1688760" progId="Photoshop.Image.13">
                     <p:embed/>
                   </p:oleObj>
                 </mc:Choice>
@@ -5355,7 +5355,7 @@
             <a:graphicData uri="http://schemas.openxmlformats.org/presentationml/2006/ole">
               <mc:AlternateContent xmlns:mc="http://schemas.openxmlformats.org/markup-compatibility/2006">
                 <mc:Choice xmlns:v="urn:schemas-microsoft-com:vml" Requires="v">
-                  <p:oleObj spid="_x0000_s1153" name="Image" r:id="rId15" imgW="1574280" imgH="1053720" progId="Photoshop.Image.13">
+                  <p:oleObj spid="_x0000_s1161" name="Image" r:id="rId15" imgW="1574280" imgH="1053720" progId="Photoshop.Image.13">
                     <p:embed/>
                   </p:oleObj>
                 </mc:Choice>
@@ -7436,7 +7436,7 @@
               <a:graphicData uri="http://schemas.openxmlformats.org/presentationml/2006/ole">
                 <mc:AlternateContent xmlns:mc="http://schemas.openxmlformats.org/markup-compatibility/2006">
                   <mc:Choice xmlns:v="urn:schemas-microsoft-com:vml" Requires="v">
-                    <p:oleObj spid="_x0000_s2170" name="Image" r:id="rId8" imgW="1828440" imgH="1117440" progId="Photoshop.Image.13">
+                    <p:oleObj spid="_x0000_s2178" name="Image" r:id="rId8" imgW="1828440" imgH="1117440" progId="Photoshop.Image.13">
                       <p:embed/>
                     </p:oleObj>
                   </mc:Choice>
@@ -7493,7 +7493,7 @@
               <a:graphicData uri="http://schemas.openxmlformats.org/presentationml/2006/ole">
                 <mc:AlternateContent xmlns:mc="http://schemas.openxmlformats.org/markup-compatibility/2006">
                   <mc:Choice xmlns:v="urn:schemas-microsoft-com:vml" Requires="v">
-                    <p:oleObj spid="_x0000_s2171" name="Image" r:id="rId10" imgW="1828440" imgH="1117440" progId="Photoshop.Image.13">
+                    <p:oleObj spid="_x0000_s2179" name="Image" r:id="rId10" imgW="1828440" imgH="1117440" progId="Photoshop.Image.13">
                       <p:embed/>
                     </p:oleObj>
                   </mc:Choice>
@@ -8633,7 +8633,7 @@
             <a:graphicData uri="http://schemas.openxmlformats.org/presentationml/2006/ole">
               <mc:AlternateContent xmlns:mc="http://schemas.openxmlformats.org/markup-compatibility/2006">
                 <mc:Choice xmlns:v="urn:schemas-microsoft-com:vml" Requires="v">
-                  <p:oleObj spid="_x0000_s2172" name="Image" r:id="rId12" imgW="4571280" imgH="1688760" progId="Photoshop.Image.13">
+                  <p:oleObj spid="_x0000_s2180" name="Image" r:id="rId12" imgW="4571280" imgH="1688760" progId="Photoshop.Image.13">
                     <p:embed/>
                   </p:oleObj>
                 </mc:Choice>
@@ -8717,7 +8717,7 @@
             <a:graphicData uri="http://schemas.openxmlformats.org/presentationml/2006/ole">
               <mc:AlternateContent xmlns:mc="http://schemas.openxmlformats.org/markup-compatibility/2006">
                 <mc:Choice xmlns:v="urn:schemas-microsoft-com:vml" Requires="v">
-                  <p:oleObj spid="_x0000_s2173" name="Image" r:id="rId15" imgW="1574280" imgH="1053720" progId="Photoshop.Image.13">
+                  <p:oleObj spid="_x0000_s2181" name="Image" r:id="rId15" imgW="1574280" imgH="1053720" progId="Photoshop.Image.13">
                     <p:embed/>
                   </p:oleObj>
                 </mc:Choice>
@@ -10015,8 +10015,8 @@
           </a:p>
         </p:txBody>
       </p:sp>
-      <mc:AlternateContent xmlns:mc="http://schemas.openxmlformats.org/markup-compatibility/2006" xmlns:a14="http://schemas.microsoft.com/office/drawing/2010/main">
-        <mc:Choice Requires="a14">
+      <mc:AlternateContent xmlns:mc="http://schemas.openxmlformats.org/markup-compatibility/2006">
+        <mc:Choice xmlns:a14="http://schemas.microsoft.com/office/drawing/2010/main" Requires="a14">
           <p:sp>
             <p:nvSpPr>
               <p:cNvPr id="252" name="Text Placeholder 251"/>
@@ -10193,7 +10193,19 @@
                 </a:r>
                 <a:r>
                   <a:rPr lang="en-US" sz="4000" dirty="0"/>
-                  <a:t>Here the centrality for a vertex </a:t>
+                  <a:t>Here the centrality </a:t>
+                </a:r>
+                <a:r>
+                  <a:rPr lang="en-US" sz="4000" dirty="0" smtClean="0"/>
+                  <a:t>of</a:t>
+                </a:r>
+                <a:r>
+                  <a:rPr lang="en-US" sz="4000" dirty="0" smtClean="0"/>
+                  <a:t> </a:t>
+                </a:r>
+                <a:r>
+                  <a:rPr lang="en-US" sz="4000" dirty="0"/>
+                  <a:t>a vertex </a:t>
                 </a:r>
                 <a14:m>
                   <m:oMath xmlns:m="http://schemas.openxmlformats.org/officeDocument/2006/math">
@@ -10269,6 +10281,7 @@
                   <a:rPr lang="en-US" sz="4000" dirty="0" smtClean="0"/>
                   <a:t>:</a:t>
                 </a:r>
+                <a:endParaRPr lang="en-US" sz="4000" dirty="0" smtClean="0"/>
               </a:p>
               <a:p>
                 <a:pPr/>
@@ -10517,7 +10530,15 @@
                 </a:r>
                 <a:r>
                   <a:rPr lang="en-US" sz="4000" dirty="0"/>
-                  <a:t># of vertex reachable from </a:t>
+                  <a:t># of </a:t>
+                </a:r>
+                <a:r>
+                  <a:rPr lang="en-US" sz="4000" dirty="0" smtClean="0"/>
+                  <a:t>vertices </a:t>
+                </a:r>
+                <a:r>
+                  <a:rPr lang="en-US" sz="4000" dirty="0"/>
+                  <a:t>reachable from </a:t>
                 </a:r>
                 <a14:m>
                   <m:oMath xmlns:m="http://schemas.openxmlformats.org/officeDocument/2006/math">
@@ -11578,7 +11599,7 @@
                       <a:srgbClr val="0070C0"/>
                     </a:solidFill>
                   </a:rPr>
-                  <a:t>diameter(!)</a:t>
+                  <a:t>diameter (!)</a:t>
                 </a:r>
                 <a:r>
                   <a:rPr lang="en-US" altLang="zh-CN" sz="4000" dirty="0" smtClean="0"/>
@@ -12170,7 +12191,7 @@
             </p:txBody>
           </p:sp>
         </mc:Choice>
-        <mc:Fallback xmlns="">
+        <mc:Fallback>
           <p:sp>
             <p:nvSpPr>
               <p:cNvPr id="252" name="Text Placeholder 251"/>

--- a/doc/poster.pptx
+++ b/doc/poster.pptx
@@ -113,7 +113,7 @@
   </p:defaultTextStyle>
   <p:extLst>
     <p:ext uri="{EFAFB233-063F-42B5-8137-9DF3F51BA10A}">
-      <p15:sldGuideLst xmlns:p15="http://schemas.microsoft.com/office/powerpoint/2012/main" xmlns="">
+      <p15:sldGuideLst xmlns="" xmlns:p15="http://schemas.microsoft.com/office/powerpoint/2012/main">
         <p15:guide id="1" orient="horz" pos="4425">
           <p15:clr>
             <a:srgbClr val="A4A3A4"/>
@@ -147,7 +147,7 @@
       </p15:sldGuideLst>
     </p:ext>
     <p:ext uri="{2D200454-40CA-4A62-9FC3-DE9A4176ACB9}">
-      <p15:notesGuideLst xmlns:p15="http://schemas.microsoft.com/office/powerpoint/2012/main" xmlns="">
+      <p15:notesGuideLst xmlns="" xmlns:p15="http://schemas.microsoft.com/office/powerpoint/2012/main">
         <p15:guide id="1" orient="horz" pos="2880">
           <p15:clr>
             <a:srgbClr val="A4A3A4"/>
@@ -256,7 +256,7 @@
             <a:fld id="{0158C5BC-9A70-462C-B28D-9600239EAC64}" type="datetimeFigureOut">
               <a:rPr lang="en-US" smtClean="0"/>
               <a:pPr/>
-              <a:t>6/22/2014</a:t>
+              <a:t>6/24/2014</a:t>
             </a:fld>
             <a:endParaRPr lang="en-US"/>
           </a:p>
@@ -423,7 +423,7 @@
             <a:fld id="{E6CC2317-6751-4CD4-9995-8782DD78E936}" type="datetimeFigureOut">
               <a:rPr lang="en-US" smtClean="0"/>
               <a:pPr/>
-              <a:t>6/22/2014</a:t>
+              <a:t>6/24/2014</a:t>
             </a:fld>
             <a:endParaRPr lang="en-US" dirty="0"/>
           </a:p>
@@ -4074,7 +4074,7 @@
               <a:graphicData uri="http://schemas.openxmlformats.org/presentationml/2006/ole">
                 <mc:AlternateContent xmlns:mc="http://schemas.openxmlformats.org/markup-compatibility/2006">
                   <mc:Choice xmlns:v="urn:schemas-microsoft-com:vml" Requires="v">
-                    <p:oleObj spid="_x0000_s1158" name="Image" r:id="rId8" imgW="1828440" imgH="1117440" progId="Photoshop.Image.13">
+                    <p:oleObj spid="_x0000_s1162" name="Image" r:id="rId8" imgW="1828440" imgH="1117440" progId="Photoshop.Image.13">
                       <p:embed/>
                     </p:oleObj>
                   </mc:Choice>
@@ -4131,7 +4131,7 @@
               <a:graphicData uri="http://schemas.openxmlformats.org/presentationml/2006/ole">
                 <mc:AlternateContent xmlns:mc="http://schemas.openxmlformats.org/markup-compatibility/2006">
                   <mc:Choice xmlns:v="urn:schemas-microsoft-com:vml" Requires="v">
-                    <p:oleObj spid="_x0000_s1159" name="Image" r:id="rId10" imgW="1828440" imgH="1117440" progId="Photoshop.Image.13">
+                    <p:oleObj spid="_x0000_s1163" name="Image" r:id="rId10" imgW="1828440" imgH="1117440" progId="Photoshop.Image.13">
                       <p:embed/>
                     </p:oleObj>
                   </mc:Choice>
@@ -5271,7 +5271,7 @@
             <a:graphicData uri="http://schemas.openxmlformats.org/presentationml/2006/ole">
               <mc:AlternateContent xmlns:mc="http://schemas.openxmlformats.org/markup-compatibility/2006">
                 <mc:Choice xmlns:v="urn:schemas-microsoft-com:vml" Requires="v">
-                  <p:oleObj spid="_x0000_s1160" name="Image" r:id="rId12" imgW="4571280" imgH="1688760" progId="Photoshop.Image.13">
+                  <p:oleObj spid="_x0000_s1164" name="Image" r:id="rId12" imgW="4571280" imgH="1688760" progId="Photoshop.Image.13">
                     <p:embed/>
                   </p:oleObj>
                 </mc:Choice>
@@ -5355,7 +5355,7 @@
             <a:graphicData uri="http://schemas.openxmlformats.org/presentationml/2006/ole">
               <mc:AlternateContent xmlns:mc="http://schemas.openxmlformats.org/markup-compatibility/2006">
                 <mc:Choice xmlns:v="urn:schemas-microsoft-com:vml" Requires="v">
-                  <p:oleObj spid="_x0000_s1161" name="Image" r:id="rId15" imgW="1574280" imgH="1053720" progId="Photoshop.Image.13">
+                  <p:oleObj spid="_x0000_s1165" name="Image" r:id="rId15" imgW="1574280" imgH="1053720" progId="Photoshop.Image.13">
                     <p:embed/>
                   </p:oleObj>
                 </mc:Choice>
@@ -7436,7 +7436,7 @@
               <a:graphicData uri="http://schemas.openxmlformats.org/presentationml/2006/ole">
                 <mc:AlternateContent xmlns:mc="http://schemas.openxmlformats.org/markup-compatibility/2006">
                   <mc:Choice xmlns:v="urn:schemas-microsoft-com:vml" Requires="v">
-                    <p:oleObj spid="_x0000_s2178" name="Image" r:id="rId8" imgW="1828440" imgH="1117440" progId="Photoshop.Image.13">
+                    <p:oleObj spid="_x0000_s2182" name="Image" r:id="rId8" imgW="1828440" imgH="1117440" progId="Photoshop.Image.13">
                       <p:embed/>
                     </p:oleObj>
                   </mc:Choice>
@@ -7493,7 +7493,7 @@
               <a:graphicData uri="http://schemas.openxmlformats.org/presentationml/2006/ole">
                 <mc:AlternateContent xmlns:mc="http://schemas.openxmlformats.org/markup-compatibility/2006">
                   <mc:Choice xmlns:v="urn:schemas-microsoft-com:vml" Requires="v">
-                    <p:oleObj spid="_x0000_s2179" name="Image" r:id="rId10" imgW="1828440" imgH="1117440" progId="Photoshop.Image.13">
+                    <p:oleObj spid="_x0000_s2183" name="Image" r:id="rId10" imgW="1828440" imgH="1117440" progId="Photoshop.Image.13">
                       <p:embed/>
                     </p:oleObj>
                   </mc:Choice>
@@ -8633,7 +8633,7 @@
             <a:graphicData uri="http://schemas.openxmlformats.org/presentationml/2006/ole">
               <mc:AlternateContent xmlns:mc="http://schemas.openxmlformats.org/markup-compatibility/2006">
                 <mc:Choice xmlns:v="urn:schemas-microsoft-com:vml" Requires="v">
-                  <p:oleObj spid="_x0000_s2180" name="Image" r:id="rId12" imgW="4571280" imgH="1688760" progId="Photoshop.Image.13">
+                  <p:oleObj spid="_x0000_s2184" name="Image" r:id="rId12" imgW="4571280" imgH="1688760" progId="Photoshop.Image.13">
                     <p:embed/>
                   </p:oleObj>
                 </mc:Choice>
@@ -8717,7 +8717,7 @@
             <a:graphicData uri="http://schemas.openxmlformats.org/presentationml/2006/ole">
               <mc:AlternateContent xmlns:mc="http://schemas.openxmlformats.org/markup-compatibility/2006">
                 <mc:Choice xmlns:v="urn:schemas-microsoft-com:vml" Requires="v">
-                  <p:oleObj spid="_x0000_s2181" name="Image" r:id="rId15" imgW="1574280" imgH="1053720" progId="Photoshop.Image.13">
+                  <p:oleObj spid="_x0000_s2185" name="Image" r:id="rId15" imgW="1574280" imgH="1053720" progId="Photoshop.Image.13">
                     <p:embed/>
                   </p:oleObj>
                 </mc:Choice>
@@ -10015,8 +10015,8 @@
           </a:p>
         </p:txBody>
       </p:sp>
-      <mc:AlternateContent xmlns:mc="http://schemas.openxmlformats.org/markup-compatibility/2006">
-        <mc:Choice xmlns:a14="http://schemas.microsoft.com/office/drawing/2010/main" Requires="a14">
+      <mc:AlternateContent xmlns:mc="http://schemas.openxmlformats.org/markup-compatibility/2006" xmlns:a14="http://schemas.microsoft.com/office/drawing/2010/main">
+        <mc:Choice Requires="a14">
           <p:sp>
             <p:nvSpPr>
               <p:cNvPr id="252" name="Text Placeholder 251"/>
@@ -10197,11 +10197,7 @@
                 </a:r>
                 <a:r>
                   <a:rPr lang="en-US" sz="4000" dirty="0" smtClean="0"/>
-                  <a:t>of</a:t>
-                </a:r>
-                <a:r>
-                  <a:rPr lang="en-US" sz="4000" dirty="0" smtClean="0"/>
-                  <a:t> </a:t>
+                  <a:t>of </a:t>
                 </a:r>
                 <a:r>
                   <a:rPr lang="en-US" sz="4000" dirty="0"/>
@@ -10281,7 +10277,6 @@
                   <a:rPr lang="en-US" sz="4000" dirty="0" smtClean="0"/>
                   <a:t>:</a:t>
                 </a:r>
-                <a:endParaRPr lang="en-US" sz="4000" dirty="0" smtClean="0"/>
               </a:p>
               <a:p>
                 <a:pPr/>
@@ -12191,7 +12186,7 @@
             </p:txBody>
           </p:sp>
         </mc:Choice>
-        <mc:Fallback>
+        <mc:Fallback xmlns="">
           <p:sp>
             <p:nvSpPr>
               <p:cNvPr id="252" name="Text Placeholder 251"/>
@@ -13876,8 +13871,8 @@
           </a:p>
         </p:txBody>
       </p:sp>
-      <mc:AlternateContent xmlns:mc="http://schemas.openxmlformats.org/markup-compatibility/2006" xmlns:a14="http://schemas.microsoft.com/office/drawing/2010/main">
-        <mc:Choice Requires="a14">
+      <mc:AlternateContent xmlns:mc="http://schemas.openxmlformats.org/markup-compatibility/2006">
+        <mc:Choice xmlns:a14="http://schemas.microsoft.com/office/drawing/2010/main" Requires="a14">
           <p:sp>
             <p:nvSpPr>
               <p:cNvPr id="46" name="Text Placeholder 251"/>
@@ -14311,16 +14306,20 @@
                 <a14:m>
                   <m:oMath xmlns:m="http://schemas.openxmlformats.org/officeDocument/2006/math">
                     <m:r>
-                      <a:rPr lang="en-US" altLang="zh-CN" sz="4000" b="0" i="1" smtClean="0">
+                      <a:rPr lang="en-US" sz="4000" b="0" i="1" smtClean="0">
                         <a:latin typeface="Cambria Math"/>
                       </a:rPr>
-                      <m:t>𝑐</m:t>
+                      <m:t>𝑑</m:t>
                     </m:r>
                   </m:oMath>
                 </a14:m>
                 <a:r>
+                  <a:rPr lang="en-US" sz="4000" smtClean="0"/>
+                  <a:t> </a:t>
+                </a:r>
+                <a:r>
                   <a:rPr lang="en-US" sz="4000" dirty="0"/>
-                  <a:t> in descending order. Build an </a:t>
+                  <a:t>in descending order. Build an </a:t>
                 </a:r>
                 <a:r>
                   <a:rPr lang="en-US" sz="4000" dirty="0" smtClean="0"/>
@@ -14553,7 +14552,7 @@
             </p:txBody>
           </p:sp>
         </mc:Choice>
-        <mc:Fallback xmlns="">
+        <mc:Fallback>
           <p:sp>
             <p:nvSpPr>
               <p:cNvPr id="46" name="Text Placeholder 251"/>
